--- a/durai ppt.pptx
+++ b/durai ppt.pptx
@@ -218,7 +218,7 @@
           <a:p>
             <a:fld id="{84B86612-B127-4CD0-BF15-66D49A7175F7}" type="datetimeFigureOut">
               <a:rPr lang="en-IN" smtClean="0"/>
-              <a:t>11-09-2025</a:t>
+              <a:t>13-09-2025</a:t>
             </a:fld>
             <a:endParaRPr lang="en-IN"/>
           </a:p>
@@ -715,7 +715,7 @@
           <a:p>
             <a:fld id="{1D8BD707-D9CF-40AE-B4C6-C98DA3205C09}" type="datetimeFigureOut">
               <a:rPr lang="en-US"/>
-              <a:t>9/11/2025</a:t>
+              <a:t>9/13/2025</a:t>
             </a:fld>
             <a:endParaRPr lang="en-US"/>
           </a:p>
@@ -895,7 +895,7 @@
           <a:p>
             <a:fld id="{1D8BD707-D9CF-40AE-B4C6-C98DA3205C09}" type="datetimeFigureOut">
               <a:rPr lang="en-US"/>
-              <a:t>9/11/2025</a:t>
+              <a:t>9/13/2025</a:t>
             </a:fld>
             <a:endParaRPr lang="en-US"/>
           </a:p>
@@ -1118,7 +1118,7 @@
           <a:p>
             <a:fld id="{1D8BD707-D9CF-40AE-B4C6-C98DA3205C09}" type="datetimeFigureOut">
               <a:rPr lang="en-US"/>
-              <a:t>9/11/2025</a:t>
+              <a:t>9/13/2025</a:t>
             </a:fld>
             <a:endParaRPr lang="en-US"/>
           </a:p>
@@ -1275,7 +1275,7 @@
           <a:p>
             <a:fld id="{1D8BD707-D9CF-40AE-B4C6-C98DA3205C09}" type="datetimeFigureOut">
               <a:rPr lang="en-US"/>
-              <a:t>9/11/2025</a:t>
+              <a:t>9/13/2025</a:t>
             </a:fld>
             <a:endParaRPr lang="en-US"/>
           </a:p>
@@ -1403,7 +1403,7 @@
           <a:p>
             <a:fld id="{1D8BD707-D9CF-40AE-B4C6-C98DA3205C09}" type="datetimeFigureOut">
               <a:rPr lang="en-US"/>
-              <a:t>9/11/2025</a:t>
+              <a:t>9/13/2025</a:t>
             </a:fld>
             <a:endParaRPr lang="en-US"/>
           </a:p>
@@ -2122,7 +2122,7 @@
           <a:p>
             <a:fld id="{1D8BD707-D9CF-40AE-B4C6-C98DA3205C09}" type="datetimeFigureOut">
               <a:rPr lang="en-US"/>
-              <a:t>9/11/2025</a:t>
+              <a:t>9/13/2025</a:t>
             </a:fld>
             <a:endParaRPr lang="en-US"/>
           </a:p>
@@ -2717,7 +2717,7 @@
         <p:spPr>
           <a:xfrm>
             <a:off x="1046829" y="3290233"/>
-            <a:ext cx="10098342" cy="1938992"/>
+            <a:ext cx="10098342" cy="2308324"/>
           </a:xfrm>
           <a:prstGeom prst="rect">
             <a:avLst/>
@@ -2743,11 +2743,17 @@
           <a:p>
             <a:r>
               <a:rPr lang="en-US" sz="2400" dirty="0"/>
-              <a:t>REGISTER NO AND NMID: 24BSCS1</a:t>
+              <a:t>REGISTER NO : 24BSCS1</a:t>
             </a:r>
             <a:r>
               <a:rPr lang="en-GB" sz="2400" dirty="0"/>
-              <a:t>10 &amp; asbruag2422k0575</a:t>
+              <a:t>10</a:t>
+            </a:r>
+          </a:p>
+          <a:p>
+            <a:r>
+              <a:rPr lang="en-GB" sz="2400" dirty="0"/>
+              <a:t>NMID:E71CBA883CA880A97924D726A8DA0BDC</a:t>
             </a:r>
             <a:endParaRPr lang="en-US" sz="2400" dirty="0"/>
           </a:p>
